--- a/Documentations/ESPADA-RENTAL.pptx
+++ b/Documentations/ESPADA-RENTAL.pptx
@@ -5,7 +5,7 @@
     <p:sldMasterId id="2147483744" r:id="rId1"/>
   </p:sldMasterIdLst>
   <p:notesMasterIdLst>
-    <p:notesMasterId r:id="rId8"/>
+    <p:notesMasterId r:id="rId9"/>
   </p:notesMasterIdLst>
   <p:sldIdLst>
     <p:sldId id="256" r:id="rId2"/>
@@ -13,7 +13,8 @@
     <p:sldId id="258" r:id="rId4"/>
     <p:sldId id="259" r:id="rId5"/>
     <p:sldId id="260" r:id="rId6"/>
-    <p:sldId id="262" r:id="rId7"/>
+    <p:sldId id="263" r:id="rId7"/>
+    <p:sldId id="262" r:id="rId8"/>
   </p:sldIdLst>
   <p:sldSz cx="9144000" cy="6858000" type="screen4x3"/>
   <p:notesSz cx="6858000" cy="9144000"/>
@@ -213,7 +214,7 @@
           <a:p>
             <a:fld id="{CD4A39D6-8A5A-4365-BBBA-C4017B7D79E0}" type="datetimeFigureOut">
               <a:rPr lang="en-US" smtClean="0"/>
-              <a:t>5/11/2025</a:t>
+              <a:t>5/12/2025</a:t>
             </a:fld>
             <a:endParaRPr lang="en-US"/>
           </a:p>
@@ -697,7 +698,7 @@
           <a:p>
             <a:fld id="{D7A34AB2-DBC5-4437-9FD6-F8867F78B2F3}" type="datetimeFigureOut">
               <a:rPr lang="en-US" smtClean="0"/>
-              <a:t>5/11/2025</a:t>
+              <a:t>5/12/2025</a:t>
             </a:fld>
             <a:endParaRPr lang="en-US"/>
           </a:p>
@@ -883,7 +884,7 @@
           <a:p>
             <a:fld id="{D7A34AB2-DBC5-4437-9FD6-F8867F78B2F3}" type="datetimeFigureOut">
               <a:rPr lang="en-US" smtClean="0"/>
-              <a:t>5/11/2025</a:t>
+              <a:t>5/12/2025</a:t>
             </a:fld>
             <a:endParaRPr lang="en-US"/>
           </a:p>
@@ -1057,7 +1058,7 @@
           <a:p>
             <a:fld id="{D7A34AB2-DBC5-4437-9FD6-F8867F78B2F3}" type="datetimeFigureOut">
               <a:rPr lang="en-US" smtClean="0"/>
-              <a:t>5/11/2025</a:t>
+              <a:t>5/12/2025</a:t>
             </a:fld>
             <a:endParaRPr lang="en-US"/>
           </a:p>
@@ -1236,7 +1237,7 @@
           <a:p>
             <a:fld id="{D7A34AB2-DBC5-4437-9FD6-F8867F78B2F3}" type="datetimeFigureOut">
               <a:rPr lang="en-US" smtClean="0"/>
-              <a:t>5/11/2025</a:t>
+              <a:t>5/12/2025</a:t>
             </a:fld>
             <a:endParaRPr lang="en-US"/>
           </a:p>
@@ -1483,7 +1484,7 @@
           <a:p>
             <a:fld id="{D7A34AB2-DBC5-4437-9FD6-F8867F78B2F3}" type="datetimeFigureOut">
               <a:rPr lang="en-US" smtClean="0"/>
-              <a:t>5/11/2025</a:t>
+              <a:t>5/12/2025</a:t>
             </a:fld>
             <a:endParaRPr lang="en-US"/>
           </a:p>
@@ -1955,7 +1956,7 @@
           <a:p>
             <a:fld id="{D7A34AB2-DBC5-4437-9FD6-F8867F78B2F3}" type="datetimeFigureOut">
               <a:rPr lang="en-US" smtClean="0"/>
-              <a:t>5/11/2025</a:t>
+              <a:t>5/12/2025</a:t>
             </a:fld>
             <a:endParaRPr lang="en-US"/>
           </a:p>
@@ -2369,7 +2370,7 @@
           <a:p>
             <a:fld id="{D7A34AB2-DBC5-4437-9FD6-F8867F78B2F3}" type="datetimeFigureOut">
               <a:rPr lang="en-US" smtClean="0"/>
-              <a:t>5/11/2025</a:t>
+              <a:t>5/12/2025</a:t>
             </a:fld>
             <a:endParaRPr lang="en-US"/>
           </a:p>
@@ -2499,7 +2500,7 @@
           <a:p>
             <a:fld id="{D7A34AB2-DBC5-4437-9FD6-F8867F78B2F3}" type="datetimeFigureOut">
               <a:rPr lang="en-US" smtClean="0"/>
-              <a:t>5/11/2025</a:t>
+              <a:t>5/12/2025</a:t>
             </a:fld>
             <a:endParaRPr lang="en-US"/>
           </a:p>
@@ -2594,7 +2595,7 @@
           <a:p>
             <a:fld id="{D7A34AB2-DBC5-4437-9FD6-F8867F78B2F3}" type="datetimeFigureOut">
               <a:rPr lang="en-US" smtClean="0"/>
-              <a:t>5/11/2025</a:t>
+              <a:t>5/12/2025</a:t>
             </a:fld>
             <a:endParaRPr lang="en-US"/>
           </a:p>
@@ -2871,7 +2872,7 @@
           <a:p>
             <a:fld id="{D7A34AB2-DBC5-4437-9FD6-F8867F78B2F3}" type="datetimeFigureOut">
               <a:rPr lang="en-US" smtClean="0"/>
-              <a:t>5/11/2025</a:t>
+              <a:t>5/12/2025</a:t>
             </a:fld>
             <a:endParaRPr lang="en-US"/>
           </a:p>
@@ -3122,7 +3123,7 @@
           <a:p>
             <a:fld id="{D7A34AB2-DBC5-4437-9FD6-F8867F78B2F3}" type="datetimeFigureOut">
               <a:rPr lang="en-US" smtClean="0"/>
-              <a:t>5/11/2025</a:t>
+              <a:t>5/12/2025</a:t>
             </a:fld>
             <a:endParaRPr lang="en-US"/>
           </a:p>
@@ -3492,7 +3493,7 @@
           <a:p>
             <a:fld id="{D7A34AB2-DBC5-4437-9FD6-F8867F78B2F3}" type="datetimeFigureOut">
               <a:rPr lang="en-US" smtClean="0"/>
-              <a:t>5/11/2025</a:t>
+              <a:t>5/12/2025</a:t>
             </a:fld>
             <a:endParaRPr lang="en-US"/>
           </a:p>
@@ -5769,6 +5770,156 @@
 </file>
 
 <file path=ppt/slides/slide6.xml><?xml version="1.0" encoding="utf-8"?>
+<p:sld xmlns:a="http://schemas.openxmlformats.org/drawingml/2006/main" xmlns:r="http://schemas.openxmlformats.org/officeDocument/2006/relationships" xmlns:p="http://schemas.openxmlformats.org/presentationml/2006/main">
+  <p:cSld>
+    <p:spTree>
+      <p:nvGrpSpPr>
+        <p:cNvPr id="1" name=""/>
+        <p:cNvGrpSpPr/>
+        <p:nvPr/>
+      </p:nvGrpSpPr>
+      <p:grpSpPr>
+        <a:xfrm>
+          <a:off x="0" y="0"/>
+          <a:ext cx="0" cy="0"/>
+          <a:chOff x="0" y="0"/>
+          <a:chExt cx="0" cy="0"/>
+        </a:xfrm>
+      </p:grpSpPr>
+      <p:sp>
+        <p:nvSpPr>
+          <p:cNvPr id="6" name="Rectangle 5">
+            <a:extLst>
+              <a:ext uri="{FF2B5EF4-FFF2-40B4-BE49-F238E27FC236}">
+                <a16:creationId xmlns:a16="http://schemas.microsoft.com/office/drawing/2014/main" id="{B7D431CC-0ACF-9A53-B5D0-0BA2B45B26F9}"/>
+              </a:ext>
+            </a:extLst>
+          </p:cNvPr>
+          <p:cNvSpPr/>
+          <p:nvPr/>
+        </p:nvSpPr>
+        <p:spPr>
+          <a:xfrm>
+            <a:off x="1903830" y="2563453"/>
+            <a:ext cx="5548490" cy="1944216"/>
+          </a:xfrm>
+          <a:prstGeom prst="rect">
+            <a:avLst/>
+          </a:prstGeom>
+          <a:noFill/>
+          <a:ln w="76200">
+            <a:solidFill>
+              <a:srgbClr val="FF0000"/>
+            </a:solidFill>
+          </a:ln>
+        </p:spPr>
+        <p:style>
+          <a:lnRef idx="2">
+            <a:schemeClr val="accent1">
+              <a:shade val="15000"/>
+            </a:schemeClr>
+          </a:lnRef>
+          <a:fillRef idx="1">
+            <a:schemeClr val="accent1"/>
+          </a:fillRef>
+          <a:effectRef idx="0">
+            <a:schemeClr val="accent1"/>
+          </a:effectRef>
+          <a:fontRef idx="minor">
+            <a:schemeClr val="lt1"/>
+          </a:fontRef>
+        </p:style>
+        <p:txBody>
+          <a:bodyPr rtlCol="0" anchor="ctr"/>
+          <a:lstStyle/>
+          <a:p>
+            <a:pPr algn="ctr"/>
+            <a:endParaRPr lang="en-US"/>
+          </a:p>
+        </p:txBody>
+      </p:sp>
+      <p:sp>
+        <p:nvSpPr>
+          <p:cNvPr id="4" name="Rectangle 3">
+            <a:extLst>
+              <a:ext uri="{FF2B5EF4-FFF2-40B4-BE49-F238E27FC236}">
+                <a16:creationId xmlns:a16="http://schemas.microsoft.com/office/drawing/2014/main" id="{84E0F872-0F5B-7E66-4E2F-9B1F3E262DD5}"/>
+              </a:ext>
+            </a:extLst>
+          </p:cNvPr>
+          <p:cNvSpPr/>
+          <p:nvPr/>
+        </p:nvSpPr>
+        <p:spPr>
+          <a:xfrm>
+            <a:off x="1903830" y="2996952"/>
+            <a:ext cx="5336340" cy="1077218"/>
+          </a:xfrm>
+          <a:prstGeom prst="rect">
+            <a:avLst/>
+          </a:prstGeom>
+          <a:noFill/>
+        </p:spPr>
+        <p:txBody>
+          <a:bodyPr wrap="square" lIns="91440" tIns="45720" rIns="91440" bIns="45720">
+            <a:spAutoFit/>
+          </a:bodyPr>
+          <a:lstStyle/>
+          <a:p>
+            <a:pPr algn="ctr"/>
+            <a:r>
+              <a:rPr lang="en-US" sz="3200" dirty="0">
+                <a:solidFill>
+                  <a:srgbClr val="FFFFFF"/>
+                </a:solidFill>
+                <a:latin typeface="Comic Sans MS" panose="030F0702030302020204" pitchFamily="66" charset="0"/>
+              </a:rPr>
+              <a:t>NOW </a:t>
+            </a:r>
+            <a:r>
+              <a:rPr lang="en-US" sz="3200" b="0" i="0" u="none" strike="noStrike" dirty="0">
+                <a:solidFill>
+                  <a:srgbClr val="FFFFFF"/>
+                </a:solidFill>
+                <a:effectLst/>
+                <a:latin typeface="Comic Sans MS" panose="030F0702030302020204" pitchFamily="66" charset="0"/>
+              </a:rPr>
+              <a:t>LET’S MOVE TO THE DEMONSTRATION</a:t>
+            </a:r>
+            <a:endParaRPr lang="en-US" sz="8000" b="1" dirty="0">
+              <a:ln w="6600">
+                <a:solidFill>
+                  <a:schemeClr val="accent2"/>
+                </a:solidFill>
+                <a:prstDash val="solid"/>
+              </a:ln>
+              <a:solidFill>
+                <a:srgbClr val="FFFFFF"/>
+              </a:solidFill>
+              <a:effectLst>
+                <a:outerShdw dist="38100" dir="2700000" algn="tl" rotWithShape="0">
+                  <a:schemeClr val="accent2"/>
+                </a:outerShdw>
+              </a:effectLst>
+              <a:latin typeface="Comic Sans MS" panose="030F0702030302020204" pitchFamily="66" charset="0"/>
+            </a:endParaRPr>
+          </a:p>
+        </p:txBody>
+      </p:sp>
+    </p:spTree>
+    <p:extLst>
+      <p:ext uri="{BB962C8B-B14F-4D97-AF65-F5344CB8AC3E}">
+        <p14:creationId xmlns:p14="http://schemas.microsoft.com/office/powerpoint/2010/main" val="3780487272"/>
+      </p:ext>
+    </p:extLst>
+  </p:cSld>
+  <p:clrMapOvr>
+    <a:masterClrMapping/>
+  </p:clrMapOvr>
+</p:sld>
+</file>
+
+<file path=ppt/slides/slide7.xml><?xml version="1.0" encoding="utf-8"?>
 <p:sld xmlns:a="http://schemas.openxmlformats.org/drawingml/2006/main" xmlns:r="http://schemas.openxmlformats.org/officeDocument/2006/relationships" xmlns:p="http://schemas.openxmlformats.org/presentationml/2006/main">
   <p:cSld>
     <p:spTree>
